--- a/Transformers/blog_resources/graphics/qkv-updated.pptx
+++ b/Transformers/blog_resources/graphics/qkv-updated.pptx
@@ -257,7 +257,7 @@
           <a:p>
             <a:fld id="{79549941-245C-4E1A-B029-28229B9B6D87}" type="datetimeFigureOut">
               <a:rPr lang="en-GB" smtClean="0"/>
-              <a:t>24/08/2021</a:t>
+              <a:t>08/09/2021</a:t>
             </a:fld>
             <a:endParaRPr lang="en-GB"/>
           </a:p>
@@ -427,7 +427,7 @@
           <a:p>
             <a:fld id="{79549941-245C-4E1A-B029-28229B9B6D87}" type="datetimeFigureOut">
               <a:rPr lang="en-GB" smtClean="0"/>
-              <a:t>24/08/2021</a:t>
+              <a:t>08/09/2021</a:t>
             </a:fld>
             <a:endParaRPr lang="en-GB"/>
           </a:p>
@@ -607,7 +607,7 @@
           <a:p>
             <a:fld id="{79549941-245C-4E1A-B029-28229B9B6D87}" type="datetimeFigureOut">
               <a:rPr lang="en-GB" smtClean="0"/>
-              <a:t>24/08/2021</a:t>
+              <a:t>08/09/2021</a:t>
             </a:fld>
             <a:endParaRPr lang="en-GB"/>
           </a:p>
@@ -777,7 +777,7 @@
           <a:p>
             <a:fld id="{79549941-245C-4E1A-B029-28229B9B6D87}" type="datetimeFigureOut">
               <a:rPr lang="en-GB" smtClean="0"/>
-              <a:t>24/08/2021</a:t>
+              <a:t>08/09/2021</a:t>
             </a:fld>
             <a:endParaRPr lang="en-GB"/>
           </a:p>
@@ -1021,7 +1021,7 @@
           <a:p>
             <a:fld id="{79549941-245C-4E1A-B029-28229B9B6D87}" type="datetimeFigureOut">
               <a:rPr lang="en-GB" smtClean="0"/>
-              <a:t>24/08/2021</a:t>
+              <a:t>08/09/2021</a:t>
             </a:fld>
             <a:endParaRPr lang="en-GB"/>
           </a:p>
@@ -1253,7 +1253,7 @@
           <a:p>
             <a:fld id="{79549941-245C-4E1A-B029-28229B9B6D87}" type="datetimeFigureOut">
               <a:rPr lang="en-GB" smtClean="0"/>
-              <a:t>24/08/2021</a:t>
+              <a:t>08/09/2021</a:t>
             </a:fld>
             <a:endParaRPr lang="en-GB"/>
           </a:p>
@@ -1620,7 +1620,7 @@
           <a:p>
             <a:fld id="{79549941-245C-4E1A-B029-28229B9B6D87}" type="datetimeFigureOut">
               <a:rPr lang="en-GB" smtClean="0"/>
-              <a:t>24/08/2021</a:t>
+              <a:t>08/09/2021</a:t>
             </a:fld>
             <a:endParaRPr lang="en-GB"/>
           </a:p>
@@ -1738,7 +1738,7 @@
           <a:p>
             <a:fld id="{79549941-245C-4E1A-B029-28229B9B6D87}" type="datetimeFigureOut">
               <a:rPr lang="en-GB" smtClean="0"/>
-              <a:t>24/08/2021</a:t>
+              <a:t>08/09/2021</a:t>
             </a:fld>
             <a:endParaRPr lang="en-GB"/>
           </a:p>
@@ -1833,7 +1833,7 @@
           <a:p>
             <a:fld id="{79549941-245C-4E1A-B029-28229B9B6D87}" type="datetimeFigureOut">
               <a:rPr lang="en-GB" smtClean="0"/>
-              <a:t>24/08/2021</a:t>
+              <a:t>08/09/2021</a:t>
             </a:fld>
             <a:endParaRPr lang="en-GB"/>
           </a:p>
@@ -2110,7 +2110,7 @@
           <a:p>
             <a:fld id="{79549941-245C-4E1A-B029-28229B9B6D87}" type="datetimeFigureOut">
               <a:rPr lang="en-GB" smtClean="0"/>
-              <a:t>24/08/2021</a:t>
+              <a:t>08/09/2021</a:t>
             </a:fld>
             <a:endParaRPr lang="en-GB"/>
           </a:p>
@@ -2367,7 +2367,7 @@
           <a:p>
             <a:fld id="{79549941-245C-4E1A-B029-28229B9B6D87}" type="datetimeFigureOut">
               <a:rPr lang="en-GB" smtClean="0"/>
-              <a:t>24/08/2021</a:t>
+              <a:t>08/09/2021</a:t>
             </a:fld>
             <a:endParaRPr lang="en-GB"/>
           </a:p>
@@ -2580,7 +2580,7 @@
           <a:p>
             <a:fld id="{79549941-245C-4E1A-B029-28229B9B6D87}" type="datetimeFigureOut">
               <a:rPr lang="en-GB" smtClean="0"/>
-              <a:t>24/08/2021</a:t>
+              <a:t>08/09/2021</a:t>
             </a:fld>
             <a:endParaRPr lang="en-GB"/>
           </a:p>
@@ -5953,8 +5953,8 @@
         </p:blipFill>
         <p:spPr>
           <a:xfrm>
-            <a:off x="225933" y="1342902"/>
-            <a:ext cx="5301621" cy="646247"/>
+            <a:off x="874294" y="1342903"/>
+            <a:ext cx="4420297" cy="523219"/>
           </a:xfrm>
           <a:prstGeom prst="rect">
             <a:avLst/>
@@ -10613,8 +10613,8 @@
         </p:blipFill>
         <p:spPr>
           <a:xfrm>
-            <a:off x="2202405" y="360974"/>
-            <a:ext cx="4739189" cy="538907"/>
+            <a:off x="2525161" y="310984"/>
+            <a:ext cx="3912024" cy="391637"/>
           </a:xfrm>
           <a:prstGeom prst="rect">
             <a:avLst/>
